--- a/2 高手进阶篇/02-分布式原理/课件/分布式原理.pptx
+++ b/2 高手进阶篇/02-分布式原理/课件/分布式原理.pptx
@@ -9,8 +9,9 @@
     <p:sldId id="257" r:id="rId4"/>
     <p:sldId id="262" r:id="rId5"/>
     <p:sldId id="258" r:id="rId6"/>
-    <p:sldId id="259" r:id="rId7"/>
-    <p:sldId id="260" r:id="rId8"/>
+    <p:sldId id="266" r:id="rId7"/>
+    <p:sldId id="259" r:id="rId8"/>
+    <p:sldId id="260" r:id="rId9"/>
   </p:sldIdLst>
   <p:sldSz cx="12192000" cy="6858000"/>
   <p:notesSz cx="6858000" cy="9144000"/>
@@ -4217,7 +4218,7 @@
         <p:spPr>
           <a:xfrm>
             <a:off x="950595" y="688975"/>
-            <a:ext cx="2468880" cy="645160"/>
+            <a:ext cx="4851400" cy="645160"/>
           </a:xfrm>
           <a:prstGeom prst="rect">
             <a:avLst/>
@@ -4230,8 +4231,12 @@
           </a:bodyPr>
           <a:p>
             <a:r>
+              <a:rPr lang="en-US" altLang="zh-CN" sz="3600"/>
+              <a:t>Elasticsearch</a:t>
+            </a:r>
+            <a:r>
               <a:rPr lang="zh-CN" altLang="en-US" sz="3600"/>
-              <a:t>节点和分片</a:t>
+              <a:t>常见的模块</a:t>
             </a:r>
             <a:endParaRPr lang="zh-CN" altLang="en-US" sz="3600"/>
           </a:p>
@@ -4245,8 +4250,8 @@
         </p:nvSpPr>
         <p:spPr>
           <a:xfrm>
-            <a:off x="1629410" y="1986915"/>
-            <a:ext cx="792480" cy="460375"/>
+            <a:off x="3087370" y="1859280"/>
+            <a:ext cx="1047115" cy="460375"/>
           </a:xfrm>
           <a:prstGeom prst="rect">
             <a:avLst/>
@@ -4259,10 +4264,10 @@
           </a:bodyPr>
           <a:p>
             <a:r>
-              <a:rPr lang="zh-CN" sz="2400"/>
-              <a:t>角色</a:t>
-            </a:r>
-            <a:endParaRPr lang="zh-CN" sz="2400"/>
+              <a:rPr lang="en-US" altLang="zh-CN" sz="2400"/>
+              <a:t>Cluster</a:t>
+            </a:r>
+            <a:endParaRPr lang="en-US" altLang="zh-CN" sz="2400"/>
           </a:p>
         </p:txBody>
       </p:sp>
@@ -4274,8 +4279,8 @@
         </p:nvSpPr>
         <p:spPr>
           <a:xfrm>
-            <a:off x="1629410" y="3799205"/>
-            <a:ext cx="1402080" cy="460375"/>
+            <a:off x="3087370" y="3671570"/>
+            <a:ext cx="1395730" cy="460375"/>
           </a:xfrm>
           <a:prstGeom prst="rect">
             <a:avLst/>
@@ -4288,10 +4293,10 @@
           </a:bodyPr>
           <a:p>
             <a:r>
-              <a:rPr lang="zh-CN" altLang="en-US" sz="2400"/>
-              <a:t>分片过滤</a:t>
-            </a:r>
-            <a:endParaRPr lang="zh-CN" altLang="en-US" sz="2400"/>
+              <a:rPr lang="en-US" altLang="zh-CN" sz="2400"/>
+              <a:t>Bootstrap</a:t>
+            </a:r>
+            <a:endParaRPr lang="en-US" altLang="zh-CN" sz="2400"/>
           </a:p>
         </p:txBody>
       </p:sp>
@@ -4303,8 +4308,8 @@
         </p:nvSpPr>
         <p:spPr>
           <a:xfrm>
-            <a:off x="1629410" y="2893060"/>
-            <a:ext cx="1402080" cy="460375"/>
+            <a:off x="3087370" y="2765425"/>
+            <a:ext cx="1421765" cy="460375"/>
           </a:xfrm>
           <a:prstGeom prst="rect">
             <a:avLst/>
@@ -4317,10 +4322,213 @@
           </a:bodyPr>
           <a:p>
             <a:r>
-              <a:rPr lang="zh-CN" altLang="en-US" sz="2400"/>
-              <a:t>分片均衡</a:t>
-            </a:r>
-            <a:endParaRPr lang="zh-CN" altLang="en-US" sz="2400"/>
+              <a:rPr lang="en-US" altLang="zh-CN" sz="2400"/>
+              <a:t>Allocation</a:t>
+            </a:r>
+            <a:endParaRPr lang="en-US" altLang="zh-CN" sz="2400"/>
+          </a:p>
+        </p:txBody>
+      </p:sp>
+      <p:sp>
+        <p:nvSpPr>
+          <p:cNvPr id="2" name="文本框 1"/>
+          <p:cNvSpPr txBox="1"/>
+          <p:nvPr/>
+        </p:nvSpPr>
+        <p:spPr>
+          <a:xfrm>
+            <a:off x="3087370" y="4577715"/>
+            <a:ext cx="930275" cy="460375"/>
+          </a:xfrm>
+          <a:prstGeom prst="rect">
+            <a:avLst/>
+          </a:prstGeom>
+          <a:noFill/>
+        </p:spPr>
+        <p:txBody>
+          <a:bodyPr wrap="none" rtlCol="0">
+            <a:spAutoFit/>
+          </a:bodyPr>
+          <a:p>
+            <a:r>
+              <a:rPr lang="en-US" altLang="zh-CN" sz="2400"/>
+              <a:t>Ingest</a:t>
+            </a:r>
+            <a:endParaRPr lang="en-US" altLang="zh-CN" sz="2400"/>
+          </a:p>
+        </p:txBody>
+      </p:sp>
+      <p:sp>
+        <p:nvSpPr>
+          <p:cNvPr id="4" name="文本框 3"/>
+          <p:cNvSpPr txBox="1"/>
+          <p:nvPr/>
+        </p:nvSpPr>
+        <p:spPr>
+          <a:xfrm>
+            <a:off x="7296150" y="4577715"/>
+            <a:ext cx="1049655" cy="460375"/>
+          </a:xfrm>
+          <a:prstGeom prst="rect">
+            <a:avLst/>
+          </a:prstGeom>
+          <a:noFill/>
+        </p:spPr>
+        <p:txBody>
+          <a:bodyPr wrap="none" rtlCol="0">
+            <a:spAutoFit/>
+          </a:bodyPr>
+          <a:p>
+            <a:r>
+              <a:rPr lang="en-US" altLang="zh-CN" sz="2400"/>
+              <a:t>Indices</a:t>
+            </a:r>
+            <a:endParaRPr lang="en-US" altLang="zh-CN" sz="2400"/>
+          </a:p>
+        </p:txBody>
+      </p:sp>
+      <p:sp>
+        <p:nvSpPr>
+          <p:cNvPr id="5" name="文本框 4"/>
+          <p:cNvSpPr txBox="1"/>
+          <p:nvPr/>
+        </p:nvSpPr>
+        <p:spPr>
+          <a:xfrm>
+            <a:off x="7296150" y="3671570"/>
+            <a:ext cx="1258570" cy="460375"/>
+          </a:xfrm>
+          <a:prstGeom prst="rect">
+            <a:avLst/>
+          </a:prstGeom>
+          <a:noFill/>
+        </p:spPr>
+        <p:txBody>
+          <a:bodyPr wrap="none" rtlCol="0">
+            <a:spAutoFit/>
+          </a:bodyPr>
+          <a:p>
+            <a:r>
+              <a:rPr lang="en-US" altLang="zh-CN" sz="2400"/>
+              <a:t>Gateway</a:t>
+            </a:r>
+            <a:endParaRPr lang="en-US" altLang="zh-CN" sz="2400"/>
+          </a:p>
+        </p:txBody>
+      </p:sp>
+      <p:sp>
+        <p:nvSpPr>
+          <p:cNvPr id="7" name="文本框 6"/>
+          <p:cNvSpPr txBox="1"/>
+          <p:nvPr/>
+        </p:nvSpPr>
+        <p:spPr>
+          <a:xfrm>
+            <a:off x="7296150" y="2765425"/>
+            <a:ext cx="1376045" cy="460375"/>
+          </a:xfrm>
+          <a:prstGeom prst="rect">
+            <a:avLst/>
+          </a:prstGeom>
+          <a:noFill/>
+        </p:spPr>
+        <p:txBody>
+          <a:bodyPr wrap="none" rtlCol="0">
+            <a:spAutoFit/>
+          </a:bodyPr>
+          <a:p>
+            <a:r>
+              <a:rPr lang="en-US" altLang="zh-CN" sz="2400"/>
+              <a:t>Discovery</a:t>
+            </a:r>
+            <a:endParaRPr lang="en-US" altLang="zh-CN" sz="2400"/>
+          </a:p>
+        </p:txBody>
+      </p:sp>
+      <p:sp>
+        <p:nvSpPr>
+          <p:cNvPr id="8" name="文本框 7"/>
+          <p:cNvSpPr txBox="1"/>
+          <p:nvPr/>
+        </p:nvSpPr>
+        <p:spPr>
+          <a:xfrm>
+            <a:off x="7296150" y="1978025"/>
+            <a:ext cx="1199515" cy="460375"/>
+          </a:xfrm>
+          <a:prstGeom prst="rect">
+            <a:avLst/>
+          </a:prstGeom>
+          <a:noFill/>
+        </p:spPr>
+        <p:txBody>
+          <a:bodyPr wrap="none" rtlCol="0">
+            <a:spAutoFit/>
+          </a:bodyPr>
+          <a:p>
+            <a:r>
+              <a:rPr lang="en-US" altLang="zh-CN" sz="2400"/>
+              <a:t>Monitor</a:t>
+            </a:r>
+            <a:endParaRPr lang="en-US" altLang="zh-CN" sz="2400"/>
+          </a:p>
+        </p:txBody>
+      </p:sp>
+      <p:sp>
+        <p:nvSpPr>
+          <p:cNvPr id="9" name="文本框 8"/>
+          <p:cNvSpPr txBox="1"/>
+          <p:nvPr/>
+        </p:nvSpPr>
+        <p:spPr>
+          <a:xfrm>
+            <a:off x="3087370" y="5483860"/>
+            <a:ext cx="831215" cy="460375"/>
+          </a:xfrm>
+          <a:prstGeom prst="rect">
+            <a:avLst/>
+          </a:prstGeom>
+          <a:noFill/>
+        </p:spPr>
+        <p:txBody>
+          <a:bodyPr wrap="none" rtlCol="0">
+            <a:spAutoFit/>
+          </a:bodyPr>
+          <a:p>
+            <a:r>
+              <a:rPr lang="en-US" altLang="zh-CN" sz="2400"/>
+              <a:t>HTTP</a:t>
+            </a:r>
+            <a:endParaRPr lang="en-US" altLang="zh-CN" sz="2400"/>
+          </a:p>
+        </p:txBody>
+      </p:sp>
+      <p:sp>
+        <p:nvSpPr>
+          <p:cNvPr id="11" name="文本框 10"/>
+          <p:cNvSpPr txBox="1"/>
+          <p:nvPr/>
+        </p:nvSpPr>
+        <p:spPr>
+          <a:xfrm>
+            <a:off x="7296150" y="5483860"/>
+            <a:ext cx="1366520" cy="460375"/>
+          </a:xfrm>
+          <a:prstGeom prst="rect">
+            <a:avLst/>
+          </a:prstGeom>
+          <a:noFill/>
+        </p:spPr>
+        <p:txBody>
+          <a:bodyPr wrap="none" rtlCol="0">
+            <a:spAutoFit/>
+          </a:bodyPr>
+          <a:p>
+            <a:r>
+              <a:rPr lang="en-US" altLang="zh-CN" sz="2400"/>
+              <a:t>Transport</a:t>
+            </a:r>
+            <a:endParaRPr lang="en-US" altLang="zh-CN" sz="2400"/>
           </a:p>
         </p:txBody>
       </p:sp>
@@ -4351,7 +4559,7 @@
         <p:spPr>
           <a:xfrm>
             <a:off x="950595" y="688975"/>
-            <a:ext cx="3383280" cy="645160"/>
+            <a:ext cx="2468880" cy="645160"/>
           </a:xfrm>
           <a:prstGeom prst="rect">
             <a:avLst/>
@@ -4365,7 +4573,7 @@
           <a:p>
             <a:r>
               <a:rPr lang="zh-CN" altLang="en-US" sz="3600"/>
-              <a:t>高可用架构设计</a:t>
+              <a:t>节点和分片</a:t>
             </a:r>
             <a:endParaRPr lang="zh-CN" altLang="en-US" sz="3600"/>
           </a:p>
@@ -4379,8 +4587,8 @@
         </p:nvSpPr>
         <p:spPr>
           <a:xfrm>
-            <a:off x="1671320" y="2224405"/>
-            <a:ext cx="6583680" cy="460375"/>
+            <a:off x="1629410" y="1986915"/>
+            <a:ext cx="792480" cy="460375"/>
           </a:xfrm>
           <a:prstGeom prst="rect">
             <a:avLst/>
@@ -4394,7 +4602,7 @@
           <a:p>
             <a:r>
               <a:rPr lang="zh-CN" sz="2400"/>
-              <a:t>小规模集群：适用于小公司或追求性价比的公司</a:t>
+              <a:t>角色</a:t>
             </a:r>
             <a:endParaRPr lang="zh-CN" sz="2400"/>
           </a:p>
@@ -4402,14 +4610,14 @@
       </p:sp>
       <p:sp>
         <p:nvSpPr>
-          <p:cNvPr id="3" name="文本框 2"/>
+          <p:cNvPr id="12" name="文本框 11"/>
           <p:cNvSpPr txBox="1"/>
           <p:nvPr/>
         </p:nvSpPr>
         <p:spPr>
           <a:xfrm>
-            <a:off x="1671320" y="3700145"/>
-            <a:ext cx="6278880" cy="460375"/>
+            <a:off x="1629410" y="3799205"/>
+            <a:ext cx="1402080" cy="460375"/>
           </a:xfrm>
           <a:prstGeom prst="rect">
             <a:avLst/>
@@ -4423,7 +4631,36 @@
           <a:p>
             <a:r>
               <a:rPr lang="zh-CN" altLang="en-US" sz="2400"/>
-              <a:t>大规模集群：适用于对性能有极高要求的公司</a:t>
+              <a:t>分片过滤</a:t>
+            </a:r>
+            <a:endParaRPr lang="zh-CN" altLang="en-US" sz="2400"/>
+          </a:p>
+        </p:txBody>
+      </p:sp>
+      <p:sp>
+        <p:nvSpPr>
+          <p:cNvPr id="3" name="文本框 2"/>
+          <p:cNvSpPr txBox="1"/>
+          <p:nvPr/>
+        </p:nvSpPr>
+        <p:spPr>
+          <a:xfrm>
+            <a:off x="1629410" y="2893060"/>
+            <a:ext cx="1402080" cy="460375"/>
+          </a:xfrm>
+          <a:prstGeom prst="rect">
+            <a:avLst/>
+          </a:prstGeom>
+          <a:noFill/>
+        </p:spPr>
+        <p:txBody>
+          <a:bodyPr wrap="none" rtlCol="0">
+            <a:spAutoFit/>
+          </a:bodyPr>
+          <a:p>
+            <a:r>
+              <a:rPr lang="zh-CN" altLang="en-US" sz="2400"/>
+              <a:t>分片均衡</a:t>
             </a:r>
             <a:endParaRPr lang="zh-CN" altLang="en-US" sz="2400"/>
           </a:p>
@@ -4438,6 +4675,111 @@
 </file>
 
 <file path=ppt/slides/slide6.xml><?xml version="1.0" encoding="utf-8"?>
+<p:sld xmlns:a="http://schemas.openxmlformats.org/drawingml/2006/main" xmlns:r="http://schemas.openxmlformats.org/officeDocument/2006/relationships" xmlns:p="http://schemas.openxmlformats.org/presentationml/2006/main">
+  <p:cSld>
+    <p:spTree>
+      <p:nvGrpSpPr>
+        <p:cNvPr id="1" name=""/>
+        <p:cNvGrpSpPr/>
+        <p:nvPr/>
+      </p:nvGrpSpPr>
+      <p:grpSpPr/>
+      <p:sp>
+        <p:nvSpPr>
+          <p:cNvPr id="6" name="文本框 5"/>
+          <p:cNvSpPr txBox="1"/>
+          <p:nvPr/>
+        </p:nvSpPr>
+        <p:spPr>
+          <a:xfrm>
+            <a:off x="950595" y="688975"/>
+            <a:ext cx="3383280" cy="645160"/>
+          </a:xfrm>
+          <a:prstGeom prst="rect">
+            <a:avLst/>
+          </a:prstGeom>
+          <a:noFill/>
+        </p:spPr>
+        <p:txBody>
+          <a:bodyPr wrap="none" rtlCol="0">
+            <a:spAutoFit/>
+          </a:bodyPr>
+          <a:p>
+            <a:r>
+              <a:rPr lang="zh-CN" altLang="en-US" sz="3600"/>
+              <a:t>高可用架构设计</a:t>
+            </a:r>
+            <a:endParaRPr lang="zh-CN" altLang="en-US" sz="3600"/>
+          </a:p>
+        </p:txBody>
+      </p:sp>
+      <p:sp>
+        <p:nvSpPr>
+          <p:cNvPr id="10" name="文本框 9"/>
+          <p:cNvSpPr txBox="1"/>
+          <p:nvPr/>
+        </p:nvSpPr>
+        <p:spPr>
+          <a:xfrm>
+            <a:off x="1671320" y="2224405"/>
+            <a:ext cx="6583680" cy="460375"/>
+          </a:xfrm>
+          <a:prstGeom prst="rect">
+            <a:avLst/>
+          </a:prstGeom>
+          <a:noFill/>
+        </p:spPr>
+        <p:txBody>
+          <a:bodyPr wrap="none" rtlCol="0">
+            <a:spAutoFit/>
+          </a:bodyPr>
+          <a:p>
+            <a:r>
+              <a:rPr lang="zh-CN" sz="2400"/>
+              <a:t>小规模集群：适用于小公司或追求性价比的公司</a:t>
+            </a:r>
+            <a:endParaRPr lang="zh-CN" sz="2400"/>
+          </a:p>
+        </p:txBody>
+      </p:sp>
+      <p:sp>
+        <p:nvSpPr>
+          <p:cNvPr id="3" name="文本框 2"/>
+          <p:cNvSpPr txBox="1"/>
+          <p:nvPr/>
+        </p:nvSpPr>
+        <p:spPr>
+          <a:xfrm>
+            <a:off x="1671320" y="3700145"/>
+            <a:ext cx="6278880" cy="460375"/>
+          </a:xfrm>
+          <a:prstGeom prst="rect">
+            <a:avLst/>
+          </a:prstGeom>
+          <a:noFill/>
+        </p:spPr>
+        <p:txBody>
+          <a:bodyPr wrap="none" rtlCol="0">
+            <a:spAutoFit/>
+          </a:bodyPr>
+          <a:p>
+            <a:r>
+              <a:rPr lang="zh-CN" altLang="en-US" sz="2400"/>
+              <a:t>大规模集群：适用于对性能有极高要求的公司</a:t>
+            </a:r>
+            <a:endParaRPr lang="zh-CN" altLang="en-US" sz="2400"/>
+          </a:p>
+        </p:txBody>
+      </p:sp>
+    </p:spTree>
+  </p:cSld>
+  <p:clrMapOvr>
+    <a:masterClrMapping/>
+  </p:clrMapOvr>
+</p:sld>
+</file>
+
+<file path=ppt/slides/slide7.xml><?xml version="1.0" encoding="utf-8"?>
 <p:sld xmlns:a="http://schemas.openxmlformats.org/drawingml/2006/main" xmlns:r="http://schemas.openxmlformats.org/officeDocument/2006/relationships" xmlns:p="http://schemas.openxmlformats.org/presentationml/2006/main">
   <p:cSld>
     <p:spTree>

--- a/2 高手进阶篇/02-分布式原理/课件/分布式原理.pptx
+++ b/2 高手进阶篇/02-分布式原理/课件/分布式原理.pptx
@@ -12,6 +12,7 @@
     <p:sldId id="266" r:id="rId7"/>
     <p:sldId id="259" r:id="rId8"/>
     <p:sldId id="260" r:id="rId9"/>
+    <p:sldId id="269" r:id="rId10"/>
   </p:sldIdLst>
   <p:sldSz cx="12192000" cy="6858000"/>
   <p:notesSz cx="6858000" cy="9144000"/>
@@ -4892,11 +4893,615 @@
 </p:sld>
 </file>
 
+<file path=ppt/slides/slide8.xml><?xml version="1.0" encoding="utf-8"?>
+<p:sld xmlns:a="http://schemas.openxmlformats.org/drawingml/2006/main" xmlns:r="http://schemas.openxmlformats.org/officeDocument/2006/relationships" xmlns:p="http://schemas.openxmlformats.org/presentationml/2006/main">
+  <p:cSld>
+    <p:spTree>
+      <p:nvGrpSpPr>
+        <p:cNvPr id="1" name=""/>
+        <p:cNvGrpSpPr/>
+        <p:nvPr/>
+      </p:nvGrpSpPr>
+      <p:grpSpPr/>
+      <p:sp>
+        <p:nvSpPr>
+          <p:cNvPr id="111" name="灯片编号占位符 2"/>
+          <p:cNvSpPr txBox="1"/>
+          <p:nvPr>
+            <p:ph type="sldNum" sz="quarter" idx="4294967295"/>
+          </p:nvPr>
+        </p:nvSpPr>
+        <p:spPr>
+          <a:xfrm>
+            <a:off x="11379376" y="6245225"/>
+            <a:ext cx="203025" cy="288824"/>
+          </a:xfrm>
+          <a:prstGeom prst="rect">
+            <a:avLst/>
+          </a:prstGeom>
+        </p:spPr>
+        <p:txBody>
+          <a:bodyPr/>
+          <a:lstStyle>
+            <a:lvl1pPr>
+              <a:defRPr>
+                <a:solidFill>
+                  <a:srgbClr val="7F7F7F"/>
+                </a:solidFill>
+              </a:defRPr>
+            </a:lvl1pPr>
+          </a:lstStyle>
+          <a:p>
+            <a:fld id="{86CB4B4D-7CA3-9044-876B-883B54F8677D}" type="slidenum">
+              <a:rPr/>
+            </a:fld>
+            <a:endParaRPr/>
+          </a:p>
+        </p:txBody>
+      </p:sp>
+      <p:pic>
+        <p:nvPicPr>
+          <p:cNvPr id="11" name="图片 10"/>
+          <p:cNvPicPr>
+            <a:picLocks noChangeAspect="1"/>
+          </p:cNvPicPr>
+          <p:nvPr>
+            <p:custDataLst>
+              <p:tags r:id="rId1"/>
+            </p:custDataLst>
+          </p:nvPr>
+        </p:nvPicPr>
+        <p:blipFill>
+          <a:blip r:embed="rId2"/>
+          <a:stretch>
+            <a:fillRect/>
+          </a:stretch>
+        </p:blipFill>
+        <p:spPr>
+          <a:xfrm>
+            <a:off x="2567305" y="1701165"/>
+            <a:ext cx="1981200" cy="2657475"/>
+          </a:xfrm>
+          <a:prstGeom prst="rect">
+            <a:avLst/>
+          </a:prstGeom>
+        </p:spPr>
+      </p:pic>
+      <p:pic>
+        <p:nvPicPr>
+          <p:cNvPr id="12" name="图片 11"/>
+          <p:cNvPicPr>
+            <a:picLocks noChangeAspect="1"/>
+          </p:cNvPicPr>
+          <p:nvPr>
+            <p:custDataLst>
+              <p:tags r:id="rId3"/>
+            </p:custDataLst>
+          </p:nvPr>
+        </p:nvPicPr>
+        <p:blipFill>
+          <a:blip r:embed="rId4"/>
+          <a:stretch>
+            <a:fillRect/>
+          </a:stretch>
+        </p:blipFill>
+        <p:spPr>
+          <a:xfrm>
+            <a:off x="7607935" y="1720215"/>
+            <a:ext cx="2105025" cy="2638425"/>
+          </a:xfrm>
+          <a:prstGeom prst="rect">
+            <a:avLst/>
+          </a:prstGeom>
+        </p:spPr>
+      </p:pic>
+      <p:sp>
+        <p:nvSpPr>
+          <p:cNvPr id="13" name="文本框 2"/>
+          <p:cNvSpPr txBox="1"/>
+          <p:nvPr/>
+        </p:nvSpPr>
+        <p:spPr>
+          <a:xfrm>
+            <a:off x="2621915" y="4564380"/>
+            <a:ext cx="1871980" cy="730885"/>
+          </a:xfrm>
+          <a:prstGeom prst="rect">
+            <a:avLst/>
+          </a:prstGeom>
+          <a:ln w="12700">
+            <a:miter lim="400000"/>
+          </a:ln>
+        </p:spPr>
+        <p:txBody>
+          <a:bodyPr wrap="square" lIns="45719" rIns="45719">
+            <a:spAutoFit/>
+          </a:bodyPr>
+          <a:lstStyle>
+            <a:lvl1pPr marL="285750" indent="-285750">
+              <a:lnSpc>
+                <a:spcPct val="130000"/>
+              </a:lnSpc>
+              <a:buSzPct val="100000"/>
+              <a:buChar char="◆"/>
+              <a:defRPr sz="2400"/>
+            </a:lvl1pPr>
+          </a:lstStyle>
+          <a:p>
+            <a:pPr marL="0" indent="0">
+              <a:buNone/>
+            </a:pPr>
+            <a:r>
+              <a:rPr lang="zh-CN" sz="3200">
+                <a:solidFill>
+                  <a:srgbClr val="FFC000"/>
+                </a:solidFill>
+                <a:latin typeface="微软雅黑" panose="020B0503020204020204" charset="-122"/>
+                <a:ea typeface="微软雅黑" panose="020B0503020204020204" charset="-122"/>
+              </a:rPr>
+              <a:t>单体应用</a:t>
+            </a:r>
+            <a:endParaRPr lang="zh-CN" sz="3200">
+              <a:solidFill>
+                <a:srgbClr val="FFC000"/>
+              </a:solidFill>
+              <a:latin typeface="微软雅黑" panose="020B0503020204020204" charset="-122"/>
+              <a:ea typeface="微软雅黑" panose="020B0503020204020204" charset="-122"/>
+            </a:endParaRPr>
+          </a:p>
+        </p:txBody>
+      </p:sp>
+      <p:sp>
+        <p:nvSpPr>
+          <p:cNvPr id="14" name="文本框 2"/>
+          <p:cNvSpPr txBox="1"/>
+          <p:nvPr/>
+        </p:nvSpPr>
+        <p:spPr>
+          <a:xfrm>
+            <a:off x="7707630" y="4509135"/>
+            <a:ext cx="1906270" cy="650875"/>
+          </a:xfrm>
+          <a:prstGeom prst="rect">
+            <a:avLst/>
+          </a:prstGeom>
+          <a:ln w="12700">
+            <a:miter lim="400000"/>
+          </a:ln>
+        </p:spPr>
+        <p:txBody>
+          <a:bodyPr wrap="square" lIns="45719" rIns="45719">
+            <a:spAutoFit/>
+          </a:bodyPr>
+          <a:lstStyle>
+            <a:lvl1pPr marL="285750" indent="-285750">
+              <a:lnSpc>
+                <a:spcPct val="130000"/>
+              </a:lnSpc>
+              <a:buSzPct val="100000"/>
+              <a:buChar char="◆"/>
+              <a:defRPr sz="2400"/>
+            </a:lvl1pPr>
+          </a:lstStyle>
+          <a:p>
+            <a:pPr marL="0" indent="0">
+              <a:buNone/>
+            </a:pPr>
+            <a:r>
+              <a:rPr lang="zh-CN" sz="2800">
+                <a:solidFill>
+                  <a:srgbClr val="FFC000"/>
+                </a:solidFill>
+                <a:latin typeface="微软雅黑" panose="020B0503020204020204" charset="-122"/>
+                <a:ea typeface="微软雅黑" panose="020B0503020204020204" charset="-122"/>
+              </a:rPr>
+              <a:t>分布式应用</a:t>
+            </a:r>
+            <a:endParaRPr lang="zh-CN" sz="2800">
+              <a:solidFill>
+                <a:srgbClr val="FFC000"/>
+              </a:solidFill>
+              <a:latin typeface="微软雅黑" panose="020B0503020204020204" charset="-122"/>
+              <a:ea typeface="微软雅黑" panose="020B0503020204020204" charset="-122"/>
+            </a:endParaRPr>
+          </a:p>
+        </p:txBody>
+      </p:sp>
+    </p:spTree>
+  </p:cSld>
+  <p:clrMapOvr>
+    <a:masterClrMapping/>
+  </p:clrMapOvr>
+  <p:timing>
+    <p:tnLst>
+      <p:par>
+        <p:cTn id="1" dur="indefinite" restart="never" fill="hold" nodeType="tmRoot">
+          <p:childTnLst>
+            <p:seq concurrent="1" nextAc="seek">
+              <p:cTn id="2" dur="indefinite" fill="hold" nodeType="mainSeq">
+                <p:childTnLst>
+                  <p:par>
+                    <p:cTn id="3" fill="hold">
+                      <p:stCondLst>
+                        <p:cond delay="indefinite"/>
+                      </p:stCondLst>
+                      <p:childTnLst>
+                        <p:par>
+                          <p:cTn id="4" fill="hold">
+                            <p:stCondLst>
+                              <p:cond delay="0"/>
+                            </p:stCondLst>
+                            <p:childTnLst>
+                              <p:par>
+                                <p:cTn id="5" presetID="2" presetClass="entr" presetSubtype="4" fill="hold" grpId="0" nodeType="clickEffect">
+                                  <p:stCondLst>
+                                    <p:cond delay="0"/>
+                                  </p:stCondLst>
+                                  <p:childTnLst>
+                                    <p:set>
+                                      <p:cBhvr>
+                                        <p:cTn id="6" dur="1" fill="hold">
+                                          <p:stCondLst>
+                                            <p:cond delay="0"/>
+                                          </p:stCondLst>
+                                        </p:cTn>
+                                        <p:tgtEl>
+                                          <p:spTgt spid="13"/>
+                                        </p:tgtEl>
+                                        <p:attrNameLst>
+                                          <p:attrName>style.visibility</p:attrName>
+                                        </p:attrNameLst>
+                                      </p:cBhvr>
+                                      <p:to>
+                                        <p:strVal val="visible"/>
+                                      </p:to>
+                                    </p:set>
+                                    <p:anim calcmode="lin" valueType="num">
+                                      <p:cBhvr additive="base">
+                                        <p:cTn id="7" dur="500" fill="hold"/>
+                                        <p:tgtEl>
+                                          <p:spTgt spid="13"/>
+                                        </p:tgtEl>
+                                        <p:attrNameLst>
+                                          <p:attrName>ppt_x</p:attrName>
+                                        </p:attrNameLst>
+                                      </p:cBhvr>
+                                      <p:tavLst>
+                                        <p:tav tm="0">
+                                          <p:val>
+                                            <p:strVal val="#ppt_x"/>
+                                          </p:val>
+                                        </p:tav>
+                                        <p:tav tm="100000">
+                                          <p:val>
+                                            <p:strVal val="#ppt_x"/>
+                                          </p:val>
+                                        </p:tav>
+                                      </p:tavLst>
+                                    </p:anim>
+                                    <p:anim calcmode="lin" valueType="num">
+                                      <p:cBhvr additive="base">
+                                        <p:cTn id="8" dur="500" fill="hold"/>
+                                        <p:tgtEl>
+                                          <p:spTgt spid="13"/>
+                                        </p:tgtEl>
+                                        <p:attrNameLst>
+                                          <p:attrName>ppt_y</p:attrName>
+                                        </p:attrNameLst>
+                                      </p:cBhvr>
+                                      <p:tavLst>
+                                        <p:tav tm="0">
+                                          <p:val>
+                                            <p:strVal val="1+#ppt_h/2"/>
+                                          </p:val>
+                                        </p:tav>
+                                        <p:tav tm="100000">
+                                          <p:val>
+                                            <p:strVal val="#ppt_y"/>
+                                          </p:val>
+                                        </p:tav>
+                                      </p:tavLst>
+                                    </p:anim>
+                                  </p:childTnLst>
+                                </p:cTn>
+                              </p:par>
+                            </p:childTnLst>
+                          </p:cTn>
+                        </p:par>
+                      </p:childTnLst>
+                    </p:cTn>
+                  </p:par>
+                  <p:par>
+                    <p:cTn id="9" fill="hold">
+                      <p:stCondLst>
+                        <p:cond delay="indefinite"/>
+                      </p:stCondLst>
+                      <p:childTnLst>
+                        <p:par>
+                          <p:cTn id="10" fill="hold">
+                            <p:stCondLst>
+                              <p:cond delay="0"/>
+                            </p:stCondLst>
+                            <p:childTnLst>
+                              <p:par>
+                                <p:cTn id="11" presetID="12" presetClass="entr" presetSubtype="4" fill="hold" nodeType="clickEffect">
+                                  <p:stCondLst>
+                                    <p:cond delay="0"/>
+                                  </p:stCondLst>
+                                  <p:childTnLst>
+                                    <p:set>
+                                      <p:cBhvr>
+                                        <p:cTn id="12" dur="1" fill="hold">
+                                          <p:stCondLst>
+                                            <p:cond delay="0"/>
+                                          </p:stCondLst>
+                                        </p:cTn>
+                                        <p:tgtEl>
+                                          <p:spTgt spid="11"/>
+                                        </p:tgtEl>
+                                        <p:attrNameLst>
+                                          <p:attrName>style.visibility</p:attrName>
+                                        </p:attrNameLst>
+                                      </p:cBhvr>
+                                      <p:to>
+                                        <p:strVal val="visible"/>
+                                      </p:to>
+                                    </p:set>
+                                    <p:anim calcmode="lin" valueType="num">
+                                      <p:cBhvr additive="base">
+                                        <p:cTn id="13" dur="500"/>
+                                        <p:tgtEl>
+                                          <p:spTgt spid="11"/>
+                                        </p:tgtEl>
+                                        <p:attrNameLst>
+                                          <p:attrName>ppt_y</p:attrName>
+                                        </p:attrNameLst>
+                                      </p:cBhvr>
+                                      <p:tavLst>
+                                        <p:tav tm="0">
+                                          <p:val>
+                                            <p:strVal val="#ppt_y+#ppt_h*1.125000"/>
+                                          </p:val>
+                                        </p:tav>
+                                        <p:tav tm="100000">
+                                          <p:val>
+                                            <p:strVal val="#ppt_y"/>
+                                          </p:val>
+                                        </p:tav>
+                                      </p:tavLst>
+                                    </p:anim>
+                                    <p:animEffect transition="in" filter="wipe(up)">
+                                      <p:cBhvr>
+                                        <p:cTn id="14" dur="500"/>
+                                        <p:tgtEl>
+                                          <p:spTgt spid="11"/>
+                                        </p:tgtEl>
+                                      </p:cBhvr>
+                                    </p:animEffect>
+                                  </p:childTnLst>
+                                </p:cTn>
+                              </p:par>
+                            </p:childTnLst>
+                          </p:cTn>
+                        </p:par>
+                      </p:childTnLst>
+                    </p:cTn>
+                  </p:par>
+                  <p:par>
+                    <p:cTn id="15" fill="hold">
+                      <p:stCondLst>
+                        <p:cond delay="indefinite"/>
+                      </p:stCondLst>
+                      <p:childTnLst>
+                        <p:par>
+                          <p:cTn id="16" fill="hold">
+                            <p:stCondLst>
+                              <p:cond delay="0"/>
+                            </p:stCondLst>
+                            <p:childTnLst>
+                              <p:par>
+                                <p:cTn id="17" presetID="2" presetClass="entr" presetSubtype="4" fill="hold" grpId="0" nodeType="clickEffect">
+                                  <p:stCondLst>
+                                    <p:cond delay="0"/>
+                                  </p:stCondLst>
+                                  <p:childTnLst>
+                                    <p:set>
+                                      <p:cBhvr>
+                                        <p:cTn id="18" dur="1" fill="hold">
+                                          <p:stCondLst>
+                                            <p:cond delay="0"/>
+                                          </p:stCondLst>
+                                        </p:cTn>
+                                        <p:tgtEl>
+                                          <p:spTgt spid="14"/>
+                                        </p:tgtEl>
+                                        <p:attrNameLst>
+                                          <p:attrName>style.visibility</p:attrName>
+                                        </p:attrNameLst>
+                                      </p:cBhvr>
+                                      <p:to>
+                                        <p:strVal val="visible"/>
+                                      </p:to>
+                                    </p:set>
+                                    <p:anim calcmode="lin" valueType="num">
+                                      <p:cBhvr additive="base">
+                                        <p:cTn id="19" dur="500" fill="hold"/>
+                                        <p:tgtEl>
+                                          <p:spTgt spid="14"/>
+                                        </p:tgtEl>
+                                        <p:attrNameLst>
+                                          <p:attrName>ppt_x</p:attrName>
+                                        </p:attrNameLst>
+                                      </p:cBhvr>
+                                      <p:tavLst>
+                                        <p:tav tm="0">
+                                          <p:val>
+                                            <p:strVal val="#ppt_x"/>
+                                          </p:val>
+                                        </p:tav>
+                                        <p:tav tm="100000">
+                                          <p:val>
+                                            <p:strVal val="#ppt_x"/>
+                                          </p:val>
+                                        </p:tav>
+                                      </p:tavLst>
+                                    </p:anim>
+                                    <p:anim calcmode="lin" valueType="num">
+                                      <p:cBhvr additive="base">
+                                        <p:cTn id="20" dur="500" fill="hold"/>
+                                        <p:tgtEl>
+                                          <p:spTgt spid="14"/>
+                                        </p:tgtEl>
+                                        <p:attrNameLst>
+                                          <p:attrName>ppt_y</p:attrName>
+                                        </p:attrNameLst>
+                                      </p:cBhvr>
+                                      <p:tavLst>
+                                        <p:tav tm="0">
+                                          <p:val>
+                                            <p:strVal val="1+#ppt_h/2"/>
+                                          </p:val>
+                                        </p:tav>
+                                        <p:tav tm="100000">
+                                          <p:val>
+                                            <p:strVal val="#ppt_y"/>
+                                          </p:val>
+                                        </p:tav>
+                                      </p:tavLst>
+                                    </p:anim>
+                                  </p:childTnLst>
+                                </p:cTn>
+                              </p:par>
+                            </p:childTnLst>
+                          </p:cTn>
+                        </p:par>
+                      </p:childTnLst>
+                    </p:cTn>
+                  </p:par>
+                  <p:par>
+                    <p:cTn id="21" fill="hold">
+                      <p:stCondLst>
+                        <p:cond delay="indefinite"/>
+                      </p:stCondLst>
+                      <p:childTnLst>
+                        <p:par>
+                          <p:cTn id="22" fill="hold">
+                            <p:stCondLst>
+                              <p:cond delay="0"/>
+                            </p:stCondLst>
+                            <p:childTnLst>
+                              <p:par>
+                                <p:cTn id="23" presetID="12" presetClass="entr" presetSubtype="4" fill="hold" nodeType="clickEffect">
+                                  <p:stCondLst>
+                                    <p:cond delay="0"/>
+                                  </p:stCondLst>
+                                  <p:childTnLst>
+                                    <p:set>
+                                      <p:cBhvr>
+                                        <p:cTn id="24" dur="1" fill="hold">
+                                          <p:stCondLst>
+                                            <p:cond delay="0"/>
+                                          </p:stCondLst>
+                                        </p:cTn>
+                                        <p:tgtEl>
+                                          <p:spTgt spid="12"/>
+                                        </p:tgtEl>
+                                        <p:attrNameLst>
+                                          <p:attrName>style.visibility</p:attrName>
+                                        </p:attrNameLst>
+                                      </p:cBhvr>
+                                      <p:to>
+                                        <p:strVal val="visible"/>
+                                      </p:to>
+                                    </p:set>
+                                    <p:anim calcmode="lin" valueType="num">
+                                      <p:cBhvr additive="base">
+                                        <p:cTn id="25" dur="500"/>
+                                        <p:tgtEl>
+                                          <p:spTgt spid="12"/>
+                                        </p:tgtEl>
+                                        <p:attrNameLst>
+                                          <p:attrName>ppt_y</p:attrName>
+                                        </p:attrNameLst>
+                                      </p:cBhvr>
+                                      <p:tavLst>
+                                        <p:tav tm="0">
+                                          <p:val>
+                                            <p:strVal val="#ppt_y+#ppt_h*1.125000"/>
+                                          </p:val>
+                                        </p:tav>
+                                        <p:tav tm="100000">
+                                          <p:val>
+                                            <p:strVal val="#ppt_y"/>
+                                          </p:val>
+                                        </p:tav>
+                                      </p:tavLst>
+                                    </p:anim>
+                                    <p:animEffect transition="in" filter="wipe(up)">
+                                      <p:cBhvr>
+                                        <p:cTn id="26" dur="500"/>
+                                        <p:tgtEl>
+                                          <p:spTgt spid="12"/>
+                                        </p:tgtEl>
+                                      </p:cBhvr>
+                                    </p:animEffect>
+                                  </p:childTnLst>
+                                </p:cTn>
+                              </p:par>
+                            </p:childTnLst>
+                          </p:cTn>
+                        </p:par>
+                      </p:childTnLst>
+                    </p:cTn>
+                  </p:par>
+                </p:childTnLst>
+              </p:cTn>
+              <p:prevCondLst>
+                <p:cond evt="onPrev">
+                  <p:tgtEl>
+                    <p:sldTgt/>
+                  </p:tgtEl>
+                </p:cond>
+              </p:prevCondLst>
+              <p:nextCondLst>
+                <p:cond evt="onNext">
+                  <p:tgtEl>
+                    <p:sldTgt/>
+                  </p:tgtEl>
+                </p:cond>
+              </p:nextCondLst>
+            </p:seq>
+          </p:childTnLst>
+        </p:cTn>
+      </p:par>
+    </p:tnLst>
+    <p:bldLst>
+      <p:bldP spid="13" grpId="0"/>
+      <p:bldP spid="13" grpId="1"/>
+      <p:bldP spid="14" grpId="0"/>
+      <p:bldP spid="14" grpId="1"/>
+    </p:bldLst>
+  </p:timing>
+</p:sld>
+</file>
+
 <file path=ppt/tags/tag1.xml><?xml version="1.0" encoding="utf-8"?>
 <p:tagLst xmlns:p="http://schemas.openxmlformats.org/presentationml/2006/main">
   <p:tag name="KSO_WM_UNIT_TABLE_BEAUTIFY" val="smartTable{770fa5e8-91bd-49fa-b5c3-06d07498e33a}"/>
   <p:tag name="TABLE_ENDDRAG_ORIGIN_RECT" val="743*377"/>
   <p:tag name="TABLE_ENDDRAG_RECT" val="104*113*743*377"/>
+</p:tagLst>
+</file>
+
+<file path=ppt/tags/tag2.xml><?xml version="1.0" encoding="utf-8"?>
+<p:tagLst xmlns:p="http://schemas.openxmlformats.org/presentationml/2006/main">
+  <p:tag name="KSO_WM_UNIT_PLACING_PICTURE_USER_VIEWPORT" val="{&quot;height&quot;:4185,&quot;width&quot;:3120}"/>
+</p:tagLst>
+</file>
+
+<file path=ppt/tags/tag3.xml><?xml version="1.0" encoding="utf-8"?>
+<p:tagLst xmlns:p="http://schemas.openxmlformats.org/presentationml/2006/main">
+  <p:tag name="KSO_WM_UNIT_PLACING_PICTURE_USER_VIEWPORT" val="{&quot;height&quot;:4155,&quot;width&quot;:3315}"/>
 </p:tagLst>
 </file>
 
